--- a/202107_EXP2/citrate_synthase/CS acitivity calculations.pptx
+++ b/202107_EXP2/citrate_synthase/CS acitivity calculations.pptx
@@ -104,6 +104,11 @@
       </a:defRPr>
     </a:lvl9pPr>
   </p:defaultTextStyle>
+  <p:extLst>
+    <p:ext uri="{EFAFB233-063F-42B5-8137-9DF3F51BA10A}">
+      <p15:sldGuideLst xmlns:p15="http://schemas.microsoft.com/office/powerpoint/2012/main"/>
+    </p:ext>
+  </p:extLst>
 </p:presentation>
 </file>
 
@@ -3515,7 +3520,7 @@
           <a:p>
             <a:r>
               <a:rPr lang="en-US" dirty="0"/>
-              <a:t>Where V is the volume that was loaded in the assay, D is the dilution factor (if applicable), and the P is the total protein loaded in the assay (protein concentration (mg/ul) x V (ul)) </a:t>
+              <a:t>Where V is the volume that was loaded in the assay, D is the dilution factor (if applicable), and the P is the total protein extracted (protein concentration (mg/ul) </a:t>
             </a:r>
           </a:p>
           <a:p>
@@ -3544,8 +3549,8 @@
           </a:p>
         </p:txBody>
       </p:sp>
-      <mc:AlternateContent xmlns:mc="http://schemas.openxmlformats.org/markup-compatibility/2006">
-        <mc:Choice xmlns:a14="http://schemas.microsoft.com/office/drawing/2010/main" Requires="a14">
+      <mc:AlternateContent xmlns:mc="http://schemas.openxmlformats.org/markup-compatibility/2006" xmlns:a14="http://schemas.microsoft.com/office/drawing/2010/main">
+        <mc:Choice Requires="a14">
           <p:sp>
             <p:nvSpPr>
               <p:cNvPr id="4" name="TextBox 3">
@@ -3574,6 +3579,7 @@
               </a:bodyPr>
               <a:lstStyle/>
               <a:p>
+                <a:pPr/>
                 <a14:m>
                   <m:oMathPara xmlns:m="http://schemas.openxmlformats.org/officeDocument/2006/math">
                     <m:oMathParaPr>
@@ -3659,7 +3665,7 @@
             </p:txBody>
           </p:sp>
         </mc:Choice>
-        <mc:Fallback>
+        <mc:Fallback xmlns="">
           <p:sp>
             <p:nvSpPr>
               <p:cNvPr id="4" name="TextBox 3">
@@ -3721,7 +3727,7 @@
             <p:spPr>
               <a:xfrm>
                 <a:off x="1751606" y="2978622"/>
-                <a:ext cx="3541867" cy="276999"/>
+                <a:ext cx="3554178" cy="276999"/>
               </a:xfrm>
               <a:prstGeom prst="rect">
                 <a:avLst/>
@@ -3734,6 +3740,7 @@
               </a:bodyPr>
               <a:lstStyle/>
               <a:p>
+                <a:pPr/>
                 <a14:m>
                   <m:oMathPara xmlns:m="http://schemas.openxmlformats.org/officeDocument/2006/math">
                     <m:oMathParaPr>
@@ -3771,7 +3778,7 @@
                             <a:rPr lang="en-US" b="0" i="1" smtClean="0">
                               <a:latin typeface="Cambria Math" panose="02040503050406030204" pitchFamily="18" charset="0"/>
                             </a:rPr>
-                            <m:t>𝑑𝑒𝑙𝑡𝑎𝑂𝑋</m:t>
+                            <m:t>𝑑𝑒𝑙𝑡𝑎𝑂𝐷</m:t>
                           </m:r>
                           <m:r>
                             <a:rPr lang="en-US" b="0" i="1" smtClean="0">
@@ -3852,7 +3859,7 @@
             <p:spPr>
               <a:xfrm>
                 <a:off x="1751606" y="2978622"/>
-                <a:ext cx="3541867" cy="276999"/>
+                <a:ext cx="3554178" cy="276999"/>
               </a:xfrm>
               <a:prstGeom prst="rect">
                 <a:avLst/>
@@ -3860,7 +3867,7 @@
               <a:blipFill>
                 <a:blip r:embed="rId3"/>
                 <a:stretch>
-                  <a:fillRect l="-1721" r="-516" b="-33333"/>
+                  <a:fillRect l="-1715" r="-515" b="-33333"/>
                 </a:stretch>
               </a:blipFill>
             </p:spPr>
@@ -3879,8 +3886,8 @@
           </p:sp>
         </mc:Fallback>
       </mc:AlternateContent>
-      <mc:AlternateContent xmlns:mc="http://schemas.openxmlformats.org/markup-compatibility/2006">
-        <mc:Choice xmlns:a14="http://schemas.microsoft.com/office/drawing/2010/main" Requires="a14">
+      <mc:AlternateContent xmlns:mc="http://schemas.openxmlformats.org/markup-compatibility/2006" xmlns:a14="http://schemas.microsoft.com/office/drawing/2010/main">
+        <mc:Choice Requires="a14">
           <p:sp>
             <p:nvSpPr>
               <p:cNvPr id="7" name="TextBox 6">
@@ -3909,6 +3916,7 @@
               </a:bodyPr>
               <a:lstStyle/>
               <a:p>
+                <a:pPr/>
                 <a14:m>
                   <m:oMathPara xmlns:m="http://schemas.openxmlformats.org/officeDocument/2006/math">
                     <m:oMathParaPr>
@@ -4009,7 +4017,7 @@
             </p:txBody>
           </p:sp>
         </mc:Choice>
-        <mc:Fallback>
+        <mc:Fallback xmlns="">
           <p:sp>
             <p:nvSpPr>
               <p:cNvPr id="7" name="TextBox 6">
@@ -4054,8 +4062,8 @@
           </p:sp>
         </mc:Fallback>
       </mc:AlternateContent>
-      <mc:AlternateContent xmlns:mc="http://schemas.openxmlformats.org/markup-compatibility/2006">
-        <mc:Choice xmlns:a14="http://schemas.microsoft.com/office/drawing/2010/main" Requires="a14">
+      <mc:AlternateContent xmlns:mc="http://schemas.openxmlformats.org/markup-compatibility/2006" xmlns:a14="http://schemas.microsoft.com/office/drawing/2010/main">
+        <mc:Choice Requires="a14">
           <p:sp>
             <p:nvSpPr>
               <p:cNvPr id="8" name="TextBox 7">
@@ -4349,7 +4357,7 @@
             </p:txBody>
           </p:sp>
         </mc:Choice>
-        <mc:Fallback>
+        <mc:Fallback xmlns="">
           <p:sp>
             <p:nvSpPr>
               <p:cNvPr id="8" name="TextBox 7">

--- a/202107_EXP2/citrate_synthase/CS acitivity calculations.pptx
+++ b/202107_EXP2/citrate_synthase/CS acitivity calculations.pptx
@@ -259,7 +259,7 @@
           <a:p>
             <a:fld id="{C7B82D44-80A1-414C-8550-6C67BD8722F6}" type="datetimeFigureOut">
               <a:rPr lang="en-US" smtClean="0"/>
-              <a:t>1/28/2022</a:t>
+              <a:t>3/21/22</a:t>
             </a:fld>
             <a:endParaRPr lang="en-US"/>
           </a:p>
@@ -457,7 +457,7 @@
           <a:p>
             <a:fld id="{C7B82D44-80A1-414C-8550-6C67BD8722F6}" type="datetimeFigureOut">
               <a:rPr lang="en-US" smtClean="0"/>
-              <a:t>1/28/2022</a:t>
+              <a:t>3/21/22</a:t>
             </a:fld>
             <a:endParaRPr lang="en-US"/>
           </a:p>
@@ -665,7 +665,7 @@
           <a:p>
             <a:fld id="{C7B82D44-80A1-414C-8550-6C67BD8722F6}" type="datetimeFigureOut">
               <a:rPr lang="en-US" smtClean="0"/>
-              <a:t>1/28/2022</a:t>
+              <a:t>3/21/22</a:t>
             </a:fld>
             <a:endParaRPr lang="en-US"/>
           </a:p>
@@ -863,7 +863,7 @@
           <a:p>
             <a:fld id="{C7B82D44-80A1-414C-8550-6C67BD8722F6}" type="datetimeFigureOut">
               <a:rPr lang="en-US" smtClean="0"/>
-              <a:t>1/28/2022</a:t>
+              <a:t>3/21/22</a:t>
             </a:fld>
             <a:endParaRPr lang="en-US"/>
           </a:p>
@@ -1138,7 +1138,7 @@
           <a:p>
             <a:fld id="{C7B82D44-80A1-414C-8550-6C67BD8722F6}" type="datetimeFigureOut">
               <a:rPr lang="en-US" smtClean="0"/>
-              <a:t>1/28/2022</a:t>
+              <a:t>3/21/22</a:t>
             </a:fld>
             <a:endParaRPr lang="en-US"/>
           </a:p>
@@ -1403,7 +1403,7 @@
           <a:p>
             <a:fld id="{C7B82D44-80A1-414C-8550-6C67BD8722F6}" type="datetimeFigureOut">
               <a:rPr lang="en-US" smtClean="0"/>
-              <a:t>1/28/2022</a:t>
+              <a:t>3/21/22</a:t>
             </a:fld>
             <a:endParaRPr lang="en-US"/>
           </a:p>
@@ -1815,7 +1815,7 @@
           <a:p>
             <a:fld id="{C7B82D44-80A1-414C-8550-6C67BD8722F6}" type="datetimeFigureOut">
               <a:rPr lang="en-US" smtClean="0"/>
-              <a:t>1/28/2022</a:t>
+              <a:t>3/21/22</a:t>
             </a:fld>
             <a:endParaRPr lang="en-US"/>
           </a:p>
@@ -1956,7 +1956,7 @@
           <a:p>
             <a:fld id="{C7B82D44-80A1-414C-8550-6C67BD8722F6}" type="datetimeFigureOut">
               <a:rPr lang="en-US" smtClean="0"/>
-              <a:t>1/28/2022</a:t>
+              <a:t>3/21/22</a:t>
             </a:fld>
             <a:endParaRPr lang="en-US"/>
           </a:p>
@@ -2069,7 +2069,7 @@
           <a:p>
             <a:fld id="{C7B82D44-80A1-414C-8550-6C67BD8722F6}" type="datetimeFigureOut">
               <a:rPr lang="en-US" smtClean="0"/>
-              <a:t>1/28/2022</a:t>
+              <a:t>3/21/22</a:t>
             </a:fld>
             <a:endParaRPr lang="en-US"/>
           </a:p>
@@ -2380,7 +2380,7 @@
           <a:p>
             <a:fld id="{C7B82D44-80A1-414C-8550-6C67BD8722F6}" type="datetimeFigureOut">
               <a:rPr lang="en-US" smtClean="0"/>
-              <a:t>1/28/2022</a:t>
+              <a:t>3/21/22</a:t>
             </a:fld>
             <a:endParaRPr lang="en-US"/>
           </a:p>
@@ -2668,7 +2668,7 @@
           <a:p>
             <a:fld id="{C7B82D44-80A1-414C-8550-6C67BD8722F6}" type="datetimeFigureOut">
               <a:rPr lang="en-US" smtClean="0"/>
-              <a:t>1/28/2022</a:t>
+              <a:t>3/21/22</a:t>
             </a:fld>
             <a:endParaRPr lang="en-US"/>
           </a:p>
@@ -2909,7 +2909,7 @@
           <a:p>
             <a:fld id="{C7B82D44-80A1-414C-8550-6C67BD8722F6}" type="datetimeFigureOut">
               <a:rPr lang="en-US" smtClean="0"/>
-              <a:t>1/28/2022</a:t>
+              <a:t>3/21/22</a:t>
             </a:fld>
             <a:endParaRPr lang="en-US"/>
           </a:p>
@@ -3710,8 +3710,8 @@
           </p:sp>
         </mc:Fallback>
       </mc:AlternateContent>
-      <mc:AlternateContent xmlns:mc="http://schemas.openxmlformats.org/markup-compatibility/2006">
-        <mc:Choice xmlns:a14="http://schemas.microsoft.com/office/drawing/2010/main" Requires="a14">
+      <mc:AlternateContent xmlns:mc="http://schemas.openxmlformats.org/markup-compatibility/2006" xmlns:a14="http://schemas.microsoft.com/office/drawing/2010/main">
+        <mc:Choice Requires="a14">
           <p:sp>
             <p:nvSpPr>
               <p:cNvPr id="6" name="TextBox 5">
@@ -3841,7 +3841,7 @@
             </p:txBody>
           </p:sp>
         </mc:Choice>
-        <mc:Fallback>
+        <mc:Fallback xmlns="">
           <p:sp>
             <p:nvSpPr>
               <p:cNvPr id="6" name="TextBox 5">

--- a/202107_EXP2/citrate_synthase/CS acitivity calculations.pptx
+++ b/202107_EXP2/citrate_synthase/CS acitivity calculations.pptx
@@ -259,7 +259,7 @@
           <a:p>
             <a:fld id="{C7B82D44-80A1-414C-8550-6C67BD8722F6}" type="datetimeFigureOut">
               <a:rPr lang="en-US" smtClean="0"/>
-              <a:t>3/21/22</a:t>
+              <a:t>8/1/22</a:t>
             </a:fld>
             <a:endParaRPr lang="en-US"/>
           </a:p>
@@ -457,7 +457,7 @@
           <a:p>
             <a:fld id="{C7B82D44-80A1-414C-8550-6C67BD8722F6}" type="datetimeFigureOut">
               <a:rPr lang="en-US" smtClean="0"/>
-              <a:t>3/21/22</a:t>
+              <a:t>8/1/22</a:t>
             </a:fld>
             <a:endParaRPr lang="en-US"/>
           </a:p>
@@ -665,7 +665,7 @@
           <a:p>
             <a:fld id="{C7B82D44-80A1-414C-8550-6C67BD8722F6}" type="datetimeFigureOut">
               <a:rPr lang="en-US" smtClean="0"/>
-              <a:t>3/21/22</a:t>
+              <a:t>8/1/22</a:t>
             </a:fld>
             <a:endParaRPr lang="en-US"/>
           </a:p>
@@ -863,7 +863,7 @@
           <a:p>
             <a:fld id="{C7B82D44-80A1-414C-8550-6C67BD8722F6}" type="datetimeFigureOut">
               <a:rPr lang="en-US" smtClean="0"/>
-              <a:t>3/21/22</a:t>
+              <a:t>8/1/22</a:t>
             </a:fld>
             <a:endParaRPr lang="en-US"/>
           </a:p>
@@ -1138,7 +1138,7 @@
           <a:p>
             <a:fld id="{C7B82D44-80A1-414C-8550-6C67BD8722F6}" type="datetimeFigureOut">
               <a:rPr lang="en-US" smtClean="0"/>
-              <a:t>3/21/22</a:t>
+              <a:t>8/1/22</a:t>
             </a:fld>
             <a:endParaRPr lang="en-US"/>
           </a:p>
@@ -1403,7 +1403,7 @@
           <a:p>
             <a:fld id="{C7B82D44-80A1-414C-8550-6C67BD8722F6}" type="datetimeFigureOut">
               <a:rPr lang="en-US" smtClean="0"/>
-              <a:t>3/21/22</a:t>
+              <a:t>8/1/22</a:t>
             </a:fld>
             <a:endParaRPr lang="en-US"/>
           </a:p>
@@ -1815,7 +1815,7 @@
           <a:p>
             <a:fld id="{C7B82D44-80A1-414C-8550-6C67BD8722F6}" type="datetimeFigureOut">
               <a:rPr lang="en-US" smtClean="0"/>
-              <a:t>3/21/22</a:t>
+              <a:t>8/1/22</a:t>
             </a:fld>
             <a:endParaRPr lang="en-US"/>
           </a:p>
@@ -1956,7 +1956,7 @@
           <a:p>
             <a:fld id="{C7B82D44-80A1-414C-8550-6C67BD8722F6}" type="datetimeFigureOut">
               <a:rPr lang="en-US" smtClean="0"/>
-              <a:t>3/21/22</a:t>
+              <a:t>8/1/22</a:t>
             </a:fld>
             <a:endParaRPr lang="en-US"/>
           </a:p>
@@ -2069,7 +2069,7 @@
           <a:p>
             <a:fld id="{C7B82D44-80A1-414C-8550-6C67BD8722F6}" type="datetimeFigureOut">
               <a:rPr lang="en-US" smtClean="0"/>
-              <a:t>3/21/22</a:t>
+              <a:t>8/1/22</a:t>
             </a:fld>
             <a:endParaRPr lang="en-US"/>
           </a:p>
@@ -2380,7 +2380,7 @@
           <a:p>
             <a:fld id="{C7B82D44-80A1-414C-8550-6C67BD8722F6}" type="datetimeFigureOut">
               <a:rPr lang="en-US" smtClean="0"/>
-              <a:t>3/21/22</a:t>
+              <a:t>8/1/22</a:t>
             </a:fld>
             <a:endParaRPr lang="en-US"/>
           </a:p>
@@ -2668,7 +2668,7 @@
           <a:p>
             <a:fld id="{C7B82D44-80A1-414C-8550-6C67BD8722F6}" type="datetimeFigureOut">
               <a:rPr lang="en-US" smtClean="0"/>
-              <a:t>3/21/22</a:t>
+              <a:t>8/1/22</a:t>
             </a:fld>
             <a:endParaRPr lang="en-US"/>
           </a:p>
@@ -2909,7 +2909,7 @@
           <a:p>
             <a:fld id="{C7B82D44-80A1-414C-8550-6C67BD8722F6}" type="datetimeFigureOut">
               <a:rPr lang="en-US" smtClean="0"/>
-              <a:t>3/21/22</a:t>
+              <a:t>8/1/22</a:t>
             </a:fld>
             <a:endParaRPr lang="en-US"/>
           </a:p>
@@ -4062,8 +4062,8 @@
           </p:sp>
         </mc:Fallback>
       </mc:AlternateContent>
-      <mc:AlternateContent xmlns:mc="http://schemas.openxmlformats.org/markup-compatibility/2006" xmlns:a14="http://schemas.microsoft.com/office/drawing/2010/main">
-        <mc:Choice Requires="a14">
+      <mc:AlternateContent xmlns:mc="http://schemas.openxmlformats.org/markup-compatibility/2006">
+        <mc:Choice xmlns:a14="http://schemas.microsoft.com/office/drawing/2010/main" Requires="a14">
           <p:sp>
             <p:nvSpPr>
               <p:cNvPr id="8" name="TextBox 7">
@@ -4079,7 +4079,7 @@
             <p:spPr>
               <a:xfrm>
                 <a:off x="1721961" y="4851231"/>
-                <a:ext cx="7386638" cy="441211"/>
+                <a:ext cx="8309967" cy="441211"/>
               </a:xfrm>
               <a:prstGeom prst="rect">
                 <a:avLst/>
@@ -4164,6 +4164,12 @@
                             </m:r>
                           </m:sup>
                         </m:sSup>
+                        <m:r>
+                          <a:rPr lang="en-US" b="0" i="1" smtClean="0">
+                            <a:latin typeface="Cambria Math" panose="02040503050406030204" pitchFamily="18" charset="0"/>
+                          </a:rPr>
+                          <m:t>𝑚</m:t>
+                        </m:r>
                         <m:sSup>
                           <m:sSupPr>
                             <m:ctrlPr>
@@ -4177,7 +4183,7 @@
                               <a:rPr lang="en-US" b="0" i="1" smtClean="0">
                                 <a:latin typeface="Cambria Math" panose="02040503050406030204" pitchFamily="18" charset="0"/>
                               </a:rPr>
-                              <m:t>𝑚𝑔</m:t>
+                              <m:t>𝑔</m:t>
                             </m:r>
                           </m:e>
                           <m:sup>
@@ -4345,7 +4351,35 @@
                         <a:latin typeface="Cambria Math" panose="02040503050406030204" pitchFamily="18" charset="0"/>
                         <a:ea typeface="Cambria Math" panose="02040503050406030204" pitchFamily="18" charset="0"/>
                       </a:rPr>
-                      <m:t> </m:t>
+                      <m:t> (</m:t>
+                    </m:r>
+                    <m:r>
+                      <a:rPr lang="en-US" b="0" i="1" smtClean="0">
+                        <a:latin typeface="Cambria Math" panose="02040503050406030204" pitchFamily="18" charset="0"/>
+                        <a:ea typeface="Cambria Math" panose="02040503050406030204" pitchFamily="18" charset="0"/>
+                      </a:rPr>
+                      <m:t>𝑚𝑔</m:t>
+                    </m:r>
+                    <m:r>
+                      <a:rPr lang="en-US" b="0" i="1" smtClean="0">
+                        <a:latin typeface="Cambria Math" panose="02040503050406030204" pitchFamily="18" charset="0"/>
+                        <a:ea typeface="Cambria Math" panose="02040503050406030204" pitchFamily="18" charset="0"/>
+                      </a:rPr>
+                      <m:t>/</m:t>
+                    </m:r>
+                    <m:r>
+                      <a:rPr lang="en-US" b="0" i="1" smtClean="0">
+                        <a:latin typeface="Cambria Math" panose="02040503050406030204" pitchFamily="18" charset="0"/>
+                        <a:ea typeface="Cambria Math" panose="02040503050406030204" pitchFamily="18" charset="0"/>
+                      </a:rPr>
+                      <m:t>𝑢𝐿</m:t>
+                    </m:r>
+                    <m:r>
+                      <a:rPr lang="en-US" b="0" i="1" smtClean="0">
+                        <a:latin typeface="Cambria Math" panose="02040503050406030204" pitchFamily="18" charset="0"/>
+                        <a:ea typeface="Cambria Math" panose="02040503050406030204" pitchFamily="18" charset="0"/>
+                      </a:rPr>
+                      <m:t>)</m:t>
                     </m:r>
                   </m:oMath>
                 </a14:m>
@@ -4357,7 +4391,7 @@
             </p:txBody>
           </p:sp>
         </mc:Choice>
-        <mc:Fallback xmlns="">
+        <mc:Fallback>
           <p:sp>
             <p:nvSpPr>
               <p:cNvPr id="8" name="TextBox 7">
@@ -4375,7 +4409,7 @@
             <p:spPr>
               <a:xfrm>
                 <a:off x="1721961" y="4851231"/>
-                <a:ext cx="7386638" cy="441211"/>
+                <a:ext cx="8309967" cy="441211"/>
               </a:xfrm>
               <a:prstGeom prst="rect">
                 <a:avLst/>
@@ -4383,7 +4417,7 @@
               <a:blipFill>
                 <a:blip r:embed="rId5"/>
                 <a:stretch>
-                  <a:fillRect l="-1403" t="-2778" b="-18056"/>
+                  <a:fillRect l="-1220" t="-8571" b="-17143"/>
                 </a:stretch>
               </a:blipFill>
             </p:spPr>

--- a/202107_EXP2/citrate_synthase/CS acitivity calculations.pptx
+++ b/202107_EXP2/citrate_synthase/CS acitivity calculations.pptx
@@ -259,7 +259,7 @@
           <a:p>
             <a:fld id="{C7B82D44-80A1-414C-8550-6C67BD8722F6}" type="datetimeFigureOut">
               <a:rPr lang="en-US" smtClean="0"/>
-              <a:t>8/1/22</a:t>
+              <a:t>9/1/22</a:t>
             </a:fld>
             <a:endParaRPr lang="en-US"/>
           </a:p>
@@ -457,7 +457,7 @@
           <a:p>
             <a:fld id="{C7B82D44-80A1-414C-8550-6C67BD8722F6}" type="datetimeFigureOut">
               <a:rPr lang="en-US" smtClean="0"/>
-              <a:t>8/1/22</a:t>
+              <a:t>9/1/22</a:t>
             </a:fld>
             <a:endParaRPr lang="en-US"/>
           </a:p>
@@ -665,7 +665,7 @@
           <a:p>
             <a:fld id="{C7B82D44-80A1-414C-8550-6C67BD8722F6}" type="datetimeFigureOut">
               <a:rPr lang="en-US" smtClean="0"/>
-              <a:t>8/1/22</a:t>
+              <a:t>9/1/22</a:t>
             </a:fld>
             <a:endParaRPr lang="en-US"/>
           </a:p>
@@ -863,7 +863,7 @@
           <a:p>
             <a:fld id="{C7B82D44-80A1-414C-8550-6C67BD8722F6}" type="datetimeFigureOut">
               <a:rPr lang="en-US" smtClean="0"/>
-              <a:t>8/1/22</a:t>
+              <a:t>9/1/22</a:t>
             </a:fld>
             <a:endParaRPr lang="en-US"/>
           </a:p>
@@ -1138,7 +1138,7 @@
           <a:p>
             <a:fld id="{C7B82D44-80A1-414C-8550-6C67BD8722F6}" type="datetimeFigureOut">
               <a:rPr lang="en-US" smtClean="0"/>
-              <a:t>8/1/22</a:t>
+              <a:t>9/1/22</a:t>
             </a:fld>
             <a:endParaRPr lang="en-US"/>
           </a:p>
@@ -1403,7 +1403,7 @@
           <a:p>
             <a:fld id="{C7B82D44-80A1-414C-8550-6C67BD8722F6}" type="datetimeFigureOut">
               <a:rPr lang="en-US" smtClean="0"/>
-              <a:t>8/1/22</a:t>
+              <a:t>9/1/22</a:t>
             </a:fld>
             <a:endParaRPr lang="en-US"/>
           </a:p>
@@ -1815,7 +1815,7 @@
           <a:p>
             <a:fld id="{C7B82D44-80A1-414C-8550-6C67BD8722F6}" type="datetimeFigureOut">
               <a:rPr lang="en-US" smtClean="0"/>
-              <a:t>8/1/22</a:t>
+              <a:t>9/1/22</a:t>
             </a:fld>
             <a:endParaRPr lang="en-US"/>
           </a:p>
@@ -1956,7 +1956,7 @@
           <a:p>
             <a:fld id="{C7B82D44-80A1-414C-8550-6C67BD8722F6}" type="datetimeFigureOut">
               <a:rPr lang="en-US" smtClean="0"/>
-              <a:t>8/1/22</a:t>
+              <a:t>9/1/22</a:t>
             </a:fld>
             <a:endParaRPr lang="en-US"/>
           </a:p>
@@ -2069,7 +2069,7 @@
           <a:p>
             <a:fld id="{C7B82D44-80A1-414C-8550-6C67BD8722F6}" type="datetimeFigureOut">
               <a:rPr lang="en-US" smtClean="0"/>
-              <a:t>8/1/22</a:t>
+              <a:t>9/1/22</a:t>
             </a:fld>
             <a:endParaRPr lang="en-US"/>
           </a:p>
@@ -2380,7 +2380,7 @@
           <a:p>
             <a:fld id="{C7B82D44-80A1-414C-8550-6C67BD8722F6}" type="datetimeFigureOut">
               <a:rPr lang="en-US" smtClean="0"/>
-              <a:t>8/1/22</a:t>
+              <a:t>9/1/22</a:t>
             </a:fld>
             <a:endParaRPr lang="en-US"/>
           </a:p>
@@ -2668,7 +2668,7 @@
           <a:p>
             <a:fld id="{C7B82D44-80A1-414C-8550-6C67BD8722F6}" type="datetimeFigureOut">
               <a:rPr lang="en-US" smtClean="0"/>
-              <a:t>8/1/22</a:t>
+              <a:t>9/1/22</a:t>
             </a:fld>
             <a:endParaRPr lang="en-US"/>
           </a:p>
@@ -2909,7 +2909,7 @@
           <a:p>
             <a:fld id="{C7B82D44-80A1-414C-8550-6C67BD8722F6}" type="datetimeFigureOut">
               <a:rPr lang="en-US" smtClean="0"/>
-              <a:t>8/1/22</a:t>
+              <a:t>9/1/22</a:t>
             </a:fld>
             <a:endParaRPr lang="en-US"/>
           </a:p>
@@ -4242,7 +4242,19 @@
                           <a:rPr lang="en-US" b="0" i="1" smtClean="0">
                             <a:latin typeface="Cambria Math" panose="02040503050406030204" pitchFamily="18" charset="0"/>
                           </a:rPr>
-                          <m:t>𝑑𝑒𝑡𝑎𝑇</m:t>
+                          <m:t>𝑑𝑒</m:t>
+                        </m:r>
+                        <m:r>
+                          <a:rPr lang="en-US" b="0" i="1" smtClean="0">
+                            <a:latin typeface="Cambria Math" panose="02040503050406030204" pitchFamily="18" charset="0"/>
+                          </a:rPr>
+                          <m:t>𝑙</m:t>
+                        </m:r>
+                        <m:r>
+                          <a:rPr lang="en-US" b="0" i="1" smtClean="0">
+                            <a:latin typeface="Cambria Math" panose="02040503050406030204" pitchFamily="18" charset="0"/>
+                          </a:rPr>
+                          <m:t>𝑡𝑎𝑇</m:t>
                         </m:r>
                         <m:r>
                           <a:rPr lang="en-US" b="0" i="1" smtClean="0">
